--- a/public/Presentation.pptx
+++ b/public/Presentation.pptx
@@ -9,6 +9,7 @@
     <p:sldId id="259" r:id="rId3"/>
     <p:sldId id="260" r:id="rId4"/>
     <p:sldId id="261" r:id="rId5"/>
+    <p:sldId id="263" r:id="rId6"/>
   </p:sldIdLst>
   <p:sldSz cx="12192000" cy="6858000"/>
   <p:notesSz cx="6858000" cy="9144000"/>
@@ -107,7 +108,16 @@
       </a:defRPr>
     </a:lvl9pPr>
   </p:defaultTextStyle>
+  <p:extLst>
+    <p:ext uri="{EFAFB233-063F-42B5-8137-9DF3F51BA10A}">
+      <p15:sldGuideLst xmlns:p15="http://schemas.microsoft.com/office/powerpoint/2012/main"/>
+    </p:ext>
+  </p:extLst>
 </p:presentation>
+</file>
+
+<file path=ppt/revisionInfo.xml><?xml version="1.0" encoding="utf-8"?>
+<p1510:revInfo xmlns:a="http://schemas.openxmlformats.org/drawingml/2006/main" xmlns:r="http://schemas.openxmlformats.org/officeDocument/2006/relationships" xmlns:p1510="http://schemas.microsoft.com/office/powerpoint/2015/10/main"/>
 </file>
 
 <file path=ppt/slideLayouts/slideLayout1.xml><?xml version="1.0" encoding="utf-8"?>
@@ -3075,7 +3085,7 @@
         </p:nvSpPr>
         <p:spPr>
           <a:xfrm>
-            <a:off x="2931" y="436567"/>
+            <a:off x="923192" y="563896"/>
             <a:ext cx="10515600" cy="1325563"/>
           </a:xfrm>
         </p:spPr>
@@ -3105,17 +3115,20 @@
         </p:nvSpPr>
         <p:spPr>
           <a:xfrm>
-            <a:off x="483577" y="2228849"/>
-            <a:ext cx="11051198" cy="3948113"/>
+            <a:off x="7982317" y="3147647"/>
+            <a:ext cx="4337538" cy="4656920"/>
           </a:xfrm>
         </p:spPr>
         <p:txBody>
           <a:bodyPr/>
           <a:lstStyle/>
           <a:p>
+            <a:pPr marL="0" indent="0">
+              <a:buNone/>
+            </a:pPr>
             <a:r>
               <a:rPr lang="en-US" dirty="0"/>
-              <a:t>We utilized SASS and Flexbox to create a polished UI.</a:t>
+              <a:t>We utilized Sass and Flexbox to create a polished UI.</a:t>
             </a:r>
           </a:p>
           <a:p>
@@ -3129,16 +3142,6 @@
               <a:buNone/>
             </a:pPr>
             <a:endParaRPr lang="en-US" dirty="0"/>
-          </a:p>
-          <a:p>
-            <a:r>
-              <a:rPr lang="en-US" dirty="0" err="1"/>
-              <a:t>JQuery</a:t>
-            </a:r>
-            <a:r>
-              <a:rPr lang="en-US" dirty="0"/>
-              <a:t> was used extensively in dynamically populating user information.</a:t>
-            </a:r>
           </a:p>
           <a:p>
             <a:pPr marL="0" indent="0">
@@ -3164,8 +3167,8 @@
         </p:blipFill>
         <p:spPr>
           <a:xfrm>
-            <a:off x="8724899" y="438091"/>
-            <a:ext cx="3038475" cy="2276533"/>
+            <a:off x="9260346" y="1041583"/>
+            <a:ext cx="2238893" cy="1677458"/>
           </a:xfrm>
           <a:prstGeom prst="rect">
             <a:avLst/>
@@ -3174,7 +3177,7 @@
       </p:pic>
       <p:pic>
         <p:nvPicPr>
-          <p:cNvPr id="7" name="Picture 6"/>
+          <p:cNvPr id="6" name="Picture 5"/>
           <p:cNvPicPr>
             <a:picLocks noChangeAspect="1"/>
           </p:cNvPicPr>
@@ -3194,8 +3197,8 @@
         </p:blipFill>
         <p:spPr>
           <a:xfrm>
-            <a:off x="228600" y="4348156"/>
-            <a:ext cx="2438400" cy="2438400"/>
+            <a:off x="137158" y="791308"/>
+            <a:ext cx="2992904" cy="5759815"/>
           </a:xfrm>
           <a:prstGeom prst="rect">
             <a:avLst/>
@@ -3204,28 +3207,63 @@
       </p:pic>
       <p:pic>
         <p:nvPicPr>
-          <p:cNvPr id="9" name="Picture 8"/>
+          <p:cNvPr id="10" name="Picture 9"/>
           <p:cNvPicPr>
             <a:picLocks noChangeAspect="1"/>
           </p:cNvPicPr>
           <p:nvPr/>
         </p:nvPicPr>
         <p:blipFill>
-          <a:blip r:embed="rId4"/>
+          <a:blip r:embed="rId4">
+            <a:extLst>
+              <a:ext uri="{28A0092B-C50C-407E-A947-70E740481C1C}">
+                <a14:useLocalDpi xmlns:a14="http://schemas.microsoft.com/office/drawing/2010/main" val="0"/>
+              </a:ext>
+            </a:extLst>
+          </a:blip>
           <a:stretch>
             <a:fillRect/>
           </a:stretch>
         </p:blipFill>
         <p:spPr>
           <a:xfrm>
-            <a:off x="2667000" y="5179209"/>
-            <a:ext cx="9222373" cy="776294"/>
+            <a:off x="3190509" y="1956834"/>
+            <a:ext cx="4791808" cy="4749872"/>
           </a:xfrm>
           <a:prstGeom prst="rect">
             <a:avLst/>
           </a:prstGeom>
         </p:spPr>
       </p:pic>
+      <p:sp>
+        <p:nvSpPr>
+          <p:cNvPr id="11" name="TextBox 10"/>
+          <p:cNvSpPr txBox="1"/>
+          <p:nvPr/>
+        </p:nvSpPr>
+        <p:spPr>
+          <a:xfrm>
+            <a:off x="7787787" y="4216545"/>
+            <a:ext cx="4325082" cy="830997"/>
+          </a:xfrm>
+          <a:prstGeom prst="rect">
+            <a:avLst/>
+          </a:prstGeom>
+          <a:noFill/>
+        </p:spPr>
+        <p:txBody>
+          <a:bodyPr wrap="square" rtlCol="0">
+            <a:spAutoFit/>
+          </a:bodyPr>
+          <a:lstStyle/>
+          <a:p>
+            <a:r>
+              <a:rPr lang="en-US" sz="2400" dirty="0"/>
+              <a:t>	The Sass file structure kept 	styling well organized.</a:t>
+            </a:r>
+          </a:p>
+        </p:txBody>
+      </p:sp>
     </p:spTree>
     <p:extLst>
       <p:ext uri="{BB962C8B-B14F-4D97-AF65-F5344CB8AC3E}">
@@ -3268,7 +3306,7 @@
         </p:nvSpPr>
         <p:spPr>
           <a:xfrm>
-            <a:off x="2905125" y="155575"/>
+            <a:off x="1911594" y="155575"/>
             <a:ext cx="7981950" cy="1325563"/>
           </a:xfrm>
         </p:spPr>
@@ -3310,8 +3348,8 @@
         </p:blipFill>
         <p:spPr>
           <a:xfrm>
-            <a:off x="7572005" y="3604847"/>
-            <a:ext cx="4123961" cy="3098862"/>
+            <a:off x="8493369" y="4551642"/>
+            <a:ext cx="2540977" cy="1909363"/>
           </a:xfrm>
         </p:spPr>
       </p:pic>
@@ -3327,7 +3365,7 @@
         </p:nvSpPr>
         <p:spPr>
           <a:xfrm>
-            <a:off x="2238375" y="1933575"/>
+            <a:off x="3657230" y="1402404"/>
             <a:ext cx="7829550" cy="4040372"/>
           </a:xfrm>
         </p:spPr>
@@ -3339,7 +3377,7 @@
           <a:p>
             <a:pPr>
               <a:lnSpc>
-                <a:spcPct val="200000"/>
+                <a:spcPct val="150000"/>
               </a:lnSpc>
             </a:pPr>
             <a:r>
@@ -3384,8 +3422,8 @@
         </p:blipFill>
         <p:spPr>
           <a:xfrm>
-            <a:off x="500429" y="422917"/>
-            <a:ext cx="3475892" cy="1958975"/>
+            <a:off x="306775" y="1723293"/>
+            <a:ext cx="3001483" cy="1691603"/>
           </a:xfrm>
           <a:prstGeom prst="rect">
             <a:avLst/>
@@ -3408,8 +3446,8 @@
         </p:blipFill>
         <p:spPr>
           <a:xfrm>
-            <a:off x="610334" y="4789184"/>
-            <a:ext cx="4772025" cy="1914525"/>
+            <a:off x="583957" y="3924850"/>
+            <a:ext cx="6891256" cy="2764755"/>
           </a:xfrm>
           <a:prstGeom prst="rect">
             <a:avLst/>
@@ -3496,8 +3534,8 @@
         </p:blipFill>
         <p:spPr>
           <a:xfrm>
-            <a:off x="958270" y="4311160"/>
-            <a:ext cx="2352675" cy="2352675"/>
+            <a:off x="89323" y="4847491"/>
+            <a:ext cx="1497753" cy="1497753"/>
           </a:xfrm>
         </p:spPr>
       </p:pic>
@@ -3573,8 +3611,8 @@
         </p:blipFill>
         <p:spPr>
           <a:xfrm>
-            <a:off x="4104908" y="5403669"/>
-            <a:ext cx="7686675" cy="1162050"/>
+            <a:off x="1797564" y="5054851"/>
+            <a:ext cx="9994020" cy="1510868"/>
           </a:xfrm>
           <a:prstGeom prst="rect">
             <a:avLst/>
@@ -3597,8 +3635,8 @@
         </p:blipFill>
         <p:spPr>
           <a:xfrm>
-            <a:off x="5778743" y="2592387"/>
-            <a:ext cx="5238750" cy="1560765"/>
+            <a:off x="5340579" y="2461846"/>
+            <a:ext cx="6581092" cy="1960685"/>
           </a:xfrm>
           <a:prstGeom prst="rect">
             <a:avLst/>
@@ -3627,8 +3665,8 @@
         </p:blipFill>
         <p:spPr>
           <a:xfrm>
-            <a:off x="5778743" y="1295616"/>
-            <a:ext cx="4429125" cy="1343025"/>
+            <a:off x="7221607" y="1712040"/>
+            <a:ext cx="2860218" cy="867292"/>
           </a:xfrm>
           <a:prstGeom prst="rect">
             <a:avLst/>
@@ -3639,6 +3677,210 @@
     <p:extLst>
       <p:ext uri="{BB962C8B-B14F-4D97-AF65-F5344CB8AC3E}">
         <p14:creationId xmlns:p14="http://schemas.microsoft.com/office/powerpoint/2010/main" val="2408958540"/>
+      </p:ext>
+    </p:extLst>
+  </p:cSld>
+  <p:clrMapOvr>
+    <a:masterClrMapping/>
+  </p:clrMapOvr>
+</p:sld>
+</file>
+
+<file path=ppt/slides/slide5.xml><?xml version="1.0" encoding="utf-8"?>
+<p:sld xmlns:a="http://schemas.openxmlformats.org/drawingml/2006/main" xmlns:r="http://schemas.openxmlformats.org/officeDocument/2006/relationships" xmlns:p="http://schemas.openxmlformats.org/presentationml/2006/main">
+  <p:cSld>
+    <p:spTree>
+      <p:nvGrpSpPr>
+        <p:cNvPr id="1" name=""/>
+        <p:cNvGrpSpPr/>
+        <p:nvPr/>
+      </p:nvGrpSpPr>
+      <p:grpSpPr>
+        <a:xfrm>
+          <a:off x="0" y="0"/>
+          <a:ext cx="0" cy="0"/>
+          <a:chOff x="0" y="0"/>
+          <a:chExt cx="0" cy="0"/>
+        </a:xfrm>
+      </p:grpSpPr>
+      <p:sp>
+        <p:nvSpPr>
+          <p:cNvPr id="2" name="Title 1"/>
+          <p:cNvSpPr>
+            <a:spLocks noGrp="1"/>
+          </p:cNvSpPr>
+          <p:nvPr>
+            <p:ph type="title"/>
+          </p:nvPr>
+        </p:nvSpPr>
+        <p:spPr/>
+        <p:txBody>
+          <a:bodyPr>
+            <a:normAutofit/>
+          </a:bodyPr>
+          <a:lstStyle/>
+          <a:p>
+            <a:pPr algn="ctr"/>
+            <a:r>
+              <a:rPr lang="en-US" sz="4800" b="1" dirty="0"/>
+              <a:t>Moving Forward</a:t>
+            </a:r>
+          </a:p>
+        </p:txBody>
+      </p:sp>
+      <p:sp>
+        <p:nvSpPr>
+          <p:cNvPr id="3" name="Content Placeholder 2"/>
+          <p:cNvSpPr>
+            <a:spLocks noGrp="1"/>
+          </p:cNvSpPr>
+          <p:nvPr>
+            <p:ph sz="half" idx="1"/>
+          </p:nvPr>
+        </p:nvSpPr>
+        <p:spPr>
+          <a:xfrm>
+            <a:off x="259976" y="1327058"/>
+            <a:ext cx="5759824" cy="5530942"/>
+          </a:xfrm>
+        </p:spPr>
+        <p:txBody>
+          <a:bodyPr>
+            <a:normAutofit fontScale="85000" lnSpcReduction="10000"/>
+          </a:bodyPr>
+          <a:lstStyle/>
+          <a:p>
+            <a:pPr marL="0" indent="0">
+              <a:buNone/>
+            </a:pPr>
+            <a:r>
+              <a:rPr lang="en-US" b="1" dirty="0"/>
+              <a:t>Future Iterations</a:t>
+            </a:r>
+            <a:r>
+              <a:rPr lang="en-US" dirty="0"/>
+              <a:t> </a:t>
+            </a:r>
+          </a:p>
+          <a:p>
+            <a:pPr lvl="1">
+              <a:lnSpc>
+                <a:spcPct val="160000"/>
+              </a:lnSpc>
+            </a:pPr>
+            <a:r>
+              <a:rPr lang="en-US" dirty="0"/>
+              <a:t>Reset password</a:t>
+            </a:r>
+          </a:p>
+          <a:p>
+            <a:pPr lvl="1">
+              <a:lnSpc>
+                <a:spcPct val="160000"/>
+              </a:lnSpc>
+            </a:pPr>
+            <a:r>
+              <a:rPr lang="en-US" dirty="0"/>
+              <a:t>Statistics page.</a:t>
+            </a:r>
+          </a:p>
+          <a:p>
+            <a:pPr lvl="1">
+              <a:lnSpc>
+                <a:spcPct val="160000"/>
+              </a:lnSpc>
+            </a:pPr>
+            <a:r>
+              <a:rPr lang="en-US" dirty="0"/>
+              <a:t> Invite only sign up.</a:t>
+            </a:r>
+          </a:p>
+          <a:p>
+            <a:pPr lvl="1">
+              <a:lnSpc>
+                <a:spcPct val="160000"/>
+              </a:lnSpc>
+            </a:pPr>
+            <a:r>
+              <a:rPr lang="en-US" dirty="0"/>
+              <a:t>Reminder emails to check and update profiles.</a:t>
+            </a:r>
+          </a:p>
+          <a:p>
+            <a:pPr marL="457200" lvl="1" indent="0">
+              <a:buNone/>
+            </a:pPr>
+            <a:endParaRPr lang="en-US" dirty="0"/>
+          </a:p>
+          <a:p>
+            <a:pPr marL="0" indent="0">
+              <a:buNone/>
+            </a:pPr>
+            <a:r>
+              <a:rPr lang="en-US" b="1" dirty="0"/>
+              <a:t>Challenges</a:t>
+            </a:r>
+          </a:p>
+          <a:p>
+            <a:pPr lvl="1">
+              <a:lnSpc>
+                <a:spcPct val="170000"/>
+              </a:lnSpc>
+            </a:pPr>
+            <a:r>
+              <a:rPr lang="en-US" dirty="0"/>
+              <a:t> Intricacies of Passport</a:t>
+            </a:r>
+          </a:p>
+          <a:p>
+            <a:pPr lvl="1">
+              <a:lnSpc>
+                <a:spcPct val="170000"/>
+              </a:lnSpc>
+            </a:pPr>
+            <a:r>
+              <a:rPr lang="en-US" dirty="0"/>
+              <a:t>Creation of an API for logged in users</a:t>
+            </a:r>
+          </a:p>
+          <a:p>
+            <a:pPr lvl="1"/>
+            <a:endParaRPr lang="en-US" dirty="0"/>
+          </a:p>
+          <a:p>
+            <a:pPr marL="457200" lvl="1" indent="0">
+              <a:buNone/>
+            </a:pPr>
+            <a:br>
+              <a:rPr lang="en-US" dirty="0"/>
+            </a:br>
+            <a:endParaRPr lang="en-US" dirty="0"/>
+          </a:p>
+        </p:txBody>
+      </p:sp>
+      <p:sp>
+        <p:nvSpPr>
+          <p:cNvPr id="4" name="Content Placeholder 3"/>
+          <p:cNvSpPr>
+            <a:spLocks noGrp="1"/>
+          </p:cNvSpPr>
+          <p:nvPr>
+            <p:ph sz="half" idx="2"/>
+          </p:nvPr>
+        </p:nvSpPr>
+        <p:spPr/>
+        <p:txBody>
+          <a:bodyPr/>
+          <a:lstStyle/>
+          <a:p>
+            <a:endParaRPr lang="en-US" dirty="0"/>
+          </a:p>
+        </p:txBody>
+      </p:sp>
+    </p:spTree>
+    <p:extLst>
+      <p:ext uri="{BB962C8B-B14F-4D97-AF65-F5344CB8AC3E}">
+        <p14:creationId xmlns:p14="http://schemas.microsoft.com/office/powerpoint/2010/main" val="2004547647"/>
       </p:ext>
     </p:extLst>
   </p:cSld>

--- a/public/Presentation.pptx
+++ b/public/Presentation.pptx
@@ -251,7 +251,7 @@
           <a:p>
             <a:fld id="{53479BA5-4687-45FC-9E00-79D70FD2DC8B}" type="datetimeFigureOut">
               <a:rPr lang="en-US" smtClean="0"/>
-              <a:t>5/11/2017</a:t>
+              <a:t>5/12/2017</a:t>
             </a:fld>
             <a:endParaRPr lang="en-US"/>
           </a:p>
@@ -421,7 +421,7 @@
           <a:p>
             <a:fld id="{53479BA5-4687-45FC-9E00-79D70FD2DC8B}" type="datetimeFigureOut">
               <a:rPr lang="en-US" smtClean="0"/>
-              <a:t>5/11/2017</a:t>
+              <a:t>5/12/2017</a:t>
             </a:fld>
             <a:endParaRPr lang="en-US"/>
           </a:p>
@@ -601,7 +601,7 @@
           <a:p>
             <a:fld id="{53479BA5-4687-45FC-9E00-79D70FD2DC8B}" type="datetimeFigureOut">
               <a:rPr lang="en-US" smtClean="0"/>
-              <a:t>5/11/2017</a:t>
+              <a:t>5/12/2017</a:t>
             </a:fld>
             <a:endParaRPr lang="en-US"/>
           </a:p>
@@ -771,7 +771,7 @@
           <a:p>
             <a:fld id="{53479BA5-4687-45FC-9E00-79D70FD2DC8B}" type="datetimeFigureOut">
               <a:rPr lang="en-US" smtClean="0"/>
-              <a:t>5/11/2017</a:t>
+              <a:t>5/12/2017</a:t>
             </a:fld>
             <a:endParaRPr lang="en-US"/>
           </a:p>
@@ -1017,7 +1017,7 @@
           <a:p>
             <a:fld id="{53479BA5-4687-45FC-9E00-79D70FD2DC8B}" type="datetimeFigureOut">
               <a:rPr lang="en-US" smtClean="0"/>
-              <a:t>5/11/2017</a:t>
+              <a:t>5/12/2017</a:t>
             </a:fld>
             <a:endParaRPr lang="en-US"/>
           </a:p>
@@ -1249,7 +1249,7 @@
           <a:p>
             <a:fld id="{53479BA5-4687-45FC-9E00-79D70FD2DC8B}" type="datetimeFigureOut">
               <a:rPr lang="en-US" smtClean="0"/>
-              <a:t>5/11/2017</a:t>
+              <a:t>5/12/2017</a:t>
             </a:fld>
             <a:endParaRPr lang="en-US"/>
           </a:p>
@@ -1616,7 +1616,7 @@
           <a:p>
             <a:fld id="{53479BA5-4687-45FC-9E00-79D70FD2DC8B}" type="datetimeFigureOut">
               <a:rPr lang="en-US" smtClean="0"/>
-              <a:t>5/11/2017</a:t>
+              <a:t>5/12/2017</a:t>
             </a:fld>
             <a:endParaRPr lang="en-US"/>
           </a:p>
@@ -1734,7 +1734,7 @@
           <a:p>
             <a:fld id="{53479BA5-4687-45FC-9E00-79D70FD2DC8B}" type="datetimeFigureOut">
               <a:rPr lang="en-US" smtClean="0"/>
-              <a:t>5/11/2017</a:t>
+              <a:t>5/12/2017</a:t>
             </a:fld>
             <a:endParaRPr lang="en-US"/>
           </a:p>
@@ -1829,7 +1829,7 @@
           <a:p>
             <a:fld id="{53479BA5-4687-45FC-9E00-79D70FD2DC8B}" type="datetimeFigureOut">
               <a:rPr lang="en-US" smtClean="0"/>
-              <a:t>5/11/2017</a:t>
+              <a:t>5/12/2017</a:t>
             </a:fld>
             <a:endParaRPr lang="en-US"/>
           </a:p>
@@ -2106,7 +2106,7 @@
           <a:p>
             <a:fld id="{53479BA5-4687-45FC-9E00-79D70FD2DC8B}" type="datetimeFigureOut">
               <a:rPr lang="en-US" smtClean="0"/>
-              <a:t>5/11/2017</a:t>
+              <a:t>5/12/2017</a:t>
             </a:fld>
             <a:endParaRPr lang="en-US"/>
           </a:p>
@@ -2363,7 +2363,7 @@
           <a:p>
             <a:fld id="{53479BA5-4687-45FC-9E00-79D70FD2DC8B}" type="datetimeFigureOut">
               <a:rPr lang="en-US" smtClean="0"/>
-              <a:t>5/11/2017</a:t>
+              <a:t>5/12/2017</a:t>
             </a:fld>
             <a:endParaRPr lang="en-US"/>
           </a:p>
@@ -2576,7 +2576,7 @@
           <a:p>
             <a:fld id="{53479BA5-4687-45FC-9E00-79D70FD2DC8B}" type="datetimeFigureOut">
               <a:rPr lang="en-US" smtClean="0"/>
-              <a:t>5/11/2017</a:t>
+              <a:t>5/12/2017</a:t>
             </a:fld>
             <a:endParaRPr lang="en-US"/>
           </a:p>
@@ -3858,25 +3858,35 @@
           </a:p>
         </p:txBody>
       </p:sp>
-      <p:sp>
-        <p:nvSpPr>
-          <p:cNvPr id="4" name="Content Placeholder 3"/>
-          <p:cNvSpPr>
-            <a:spLocks noGrp="1"/>
-          </p:cNvSpPr>
+      <p:pic>
+        <p:nvPicPr>
+          <p:cNvPr id="6" name="Content Placeholder 5"/>
+          <p:cNvPicPr>
+            <a:picLocks noGrp="1" noChangeAspect="1"/>
+          </p:cNvPicPr>
           <p:nvPr>
             <p:ph sz="half" idx="2"/>
           </p:nvPr>
-        </p:nvSpPr>
-        <p:spPr/>
-        <p:txBody>
-          <a:bodyPr/>
-          <a:lstStyle/>
-          <a:p>
-            <a:endParaRPr lang="en-US" dirty="0"/>
-          </a:p>
-        </p:txBody>
-      </p:sp>
+        </p:nvPicPr>
+        <p:blipFill>
+          <a:blip r:embed="rId2">
+            <a:extLst>
+              <a:ext uri="{28A0092B-C50C-407E-A947-70E740481C1C}">
+                <a14:useLocalDpi xmlns:a14="http://schemas.microsoft.com/office/drawing/2010/main" val="0"/>
+              </a:ext>
+            </a:extLst>
+          </a:blip>
+          <a:stretch>
+            <a:fillRect/>
+          </a:stretch>
+        </p:blipFill>
+        <p:spPr>
+          <a:xfrm>
+            <a:off x="6172200" y="2058194"/>
+            <a:ext cx="5181600" cy="3886200"/>
+          </a:xfrm>
+        </p:spPr>
+      </p:pic>
     </p:spTree>
     <p:extLst>
       <p:ext uri="{BB962C8B-B14F-4D97-AF65-F5344CB8AC3E}">
